--- a/images/ancseq_workflow.pptx
+++ b/images/ancseq_workflow.pptx
@@ -4222,7 +4222,24 @@
                       <a:latin typeface="Consolas" panose="020B0609020204030204" pitchFamily="49" charset="0"/>
                       <a:cs typeface="Consolas" panose="020B0609020204030204" pitchFamily="49" charset="0"/>
                     </a:rPr>
-                    <a:t>ATC---CCCTGGACC</a:t>
+                    <a:t>ATC---CCCTGGA</a:t>
+                  </a:r>
+                  <a:r>
+                    <a:rPr lang="en-GB" altLang="ja-GB" sz="1050" b="1" dirty="0">
+                      <a:solidFill>
+                        <a:srgbClr val="C00000"/>
+                      </a:solidFill>
+                      <a:latin typeface="Consolas" panose="020B0609020204030204" pitchFamily="49" charset="0"/>
+                      <a:cs typeface="Consolas" panose="020B0609020204030204" pitchFamily="49" charset="0"/>
+                    </a:rPr>
+                    <a:t>T</a:t>
+                  </a:r>
+                  <a:r>
+                    <a:rPr lang="en-GB" altLang="ja-GB" sz="1050" dirty="0">
+                      <a:latin typeface="Consolas" panose="020B0609020204030204" pitchFamily="49" charset="0"/>
+                      <a:cs typeface="Consolas" panose="020B0609020204030204" pitchFamily="49" charset="0"/>
+                    </a:rPr>
+                    <a:t>C</a:t>
                   </a:r>
                 </a:p>
                 <a:p>
@@ -4292,24 +4309,7 @@
                       <a:latin typeface="Consolas" panose="020B0609020204030204" pitchFamily="49" charset="0"/>
                       <a:cs typeface="Consolas" panose="020B0609020204030204" pitchFamily="49" charset="0"/>
                     </a:rPr>
-                    <a:t>ATC---CCCTGGA</a:t>
-                  </a:r>
-                  <a:r>
-                    <a:rPr lang="en-GB" altLang="ja-GB" sz="1050" b="1" dirty="0">
-                      <a:solidFill>
-                        <a:srgbClr val="C00000"/>
-                      </a:solidFill>
-                      <a:latin typeface="Consolas" panose="020B0609020204030204" pitchFamily="49" charset="0"/>
-                      <a:cs typeface="Consolas" panose="020B0609020204030204" pitchFamily="49" charset="0"/>
-                    </a:rPr>
-                    <a:t>T</a:t>
-                  </a:r>
-                  <a:r>
-                    <a:rPr lang="en-GB" altLang="ja-GB" sz="1050" dirty="0">
-                      <a:latin typeface="Consolas" panose="020B0609020204030204" pitchFamily="49" charset="0"/>
-                      <a:cs typeface="Consolas" panose="020B0609020204030204" pitchFamily="49" charset="0"/>
-                    </a:rPr>
-                    <a:t>C</a:t>
+                    <a:t>ATC---CCCTGGACC</a:t>
                   </a:r>
                 </a:p>
                 <a:p>

--- a/images/ancseq_workflow.pptx
+++ b/images/ancseq_workflow.pptx
@@ -197,7 +197,7 @@
           <a:p>
             <a:fld id="{541701E4-8952-7843-9B28-97D0AE0D7167}" type="datetimeFigureOut">
               <a:rPr kumimoji="1" lang="ja-GB" altLang="en-US" smtClean="0"/>
-              <a:t>28/06/2023</a:t>
+              <a:t>29/02/2024</a:t>
             </a:fld>
             <a:endParaRPr kumimoji="1" lang="ja-GB" altLang="en-US"/>
           </a:p>
@@ -646,7 +646,7 @@
           <a:p>
             <a:fld id="{D85F26A3-E585-CB49-A954-A9F1CF73DA01}" type="datetimeFigureOut">
               <a:rPr kumimoji="1" lang="ja-GB" altLang="en-US" smtClean="0"/>
-              <a:t>28/06/2023</a:t>
+              <a:t>29/02/2024</a:t>
             </a:fld>
             <a:endParaRPr kumimoji="1" lang="ja-GB" altLang="en-US"/>
           </a:p>
@@ -878,7 +878,7 @@
           <a:p>
             <a:fld id="{D85F26A3-E585-CB49-A954-A9F1CF73DA01}" type="datetimeFigureOut">
               <a:rPr kumimoji="1" lang="ja-GB" altLang="en-US" smtClean="0"/>
-              <a:t>28/06/2023</a:t>
+              <a:t>29/02/2024</a:t>
             </a:fld>
             <a:endParaRPr kumimoji="1" lang="ja-GB" altLang="en-US"/>
           </a:p>
@@ -1120,7 +1120,7 @@
           <a:p>
             <a:fld id="{D85F26A3-E585-CB49-A954-A9F1CF73DA01}" type="datetimeFigureOut">
               <a:rPr kumimoji="1" lang="ja-GB" altLang="en-US" smtClean="0"/>
-              <a:t>28/06/2023</a:t>
+              <a:t>29/02/2024</a:t>
             </a:fld>
             <a:endParaRPr kumimoji="1" lang="ja-GB" altLang="en-US"/>
           </a:p>
@@ -1352,7 +1352,7 @@
           <a:p>
             <a:fld id="{D85F26A3-E585-CB49-A954-A9F1CF73DA01}" type="datetimeFigureOut">
               <a:rPr kumimoji="1" lang="ja-GB" altLang="en-US" smtClean="0"/>
-              <a:t>28/06/2023</a:t>
+              <a:t>29/02/2024</a:t>
             </a:fld>
             <a:endParaRPr kumimoji="1" lang="ja-GB" altLang="en-US"/>
           </a:p>
@@ -1628,7 +1628,7 @@
           <a:p>
             <a:fld id="{D85F26A3-E585-CB49-A954-A9F1CF73DA01}" type="datetimeFigureOut">
               <a:rPr kumimoji="1" lang="ja-GB" altLang="en-US" smtClean="0"/>
-              <a:t>28/06/2023</a:t>
+              <a:t>29/02/2024</a:t>
             </a:fld>
             <a:endParaRPr kumimoji="1" lang="ja-GB" altLang="en-US"/>
           </a:p>
@@ -1960,7 +1960,7 @@
           <a:p>
             <a:fld id="{D85F26A3-E585-CB49-A954-A9F1CF73DA01}" type="datetimeFigureOut">
               <a:rPr kumimoji="1" lang="ja-GB" altLang="en-US" smtClean="0"/>
-              <a:t>28/06/2023</a:t>
+              <a:t>29/02/2024</a:t>
             </a:fld>
             <a:endParaRPr kumimoji="1" lang="ja-GB" altLang="en-US"/>
           </a:p>
@@ -2439,7 +2439,7 @@
           <a:p>
             <a:fld id="{D85F26A3-E585-CB49-A954-A9F1CF73DA01}" type="datetimeFigureOut">
               <a:rPr kumimoji="1" lang="ja-GB" altLang="en-US" smtClean="0"/>
-              <a:t>28/06/2023</a:t>
+              <a:t>29/02/2024</a:t>
             </a:fld>
             <a:endParaRPr kumimoji="1" lang="ja-GB" altLang="en-US"/>
           </a:p>
@@ -2581,7 +2581,7 @@
           <a:p>
             <a:fld id="{D85F26A3-E585-CB49-A954-A9F1CF73DA01}" type="datetimeFigureOut">
               <a:rPr kumimoji="1" lang="ja-GB" altLang="en-US" smtClean="0"/>
-              <a:t>28/06/2023</a:t>
+              <a:t>29/02/2024</a:t>
             </a:fld>
             <a:endParaRPr kumimoji="1" lang="ja-GB" altLang="en-US"/>
           </a:p>
@@ -2694,7 +2694,7 @@
           <a:p>
             <a:fld id="{D85F26A3-E585-CB49-A954-A9F1CF73DA01}" type="datetimeFigureOut">
               <a:rPr kumimoji="1" lang="ja-GB" altLang="en-US" smtClean="0"/>
-              <a:t>28/06/2023</a:t>
+              <a:t>29/02/2024</a:t>
             </a:fld>
             <a:endParaRPr kumimoji="1" lang="ja-GB" altLang="en-US"/>
           </a:p>
@@ -3039,7 +3039,7 @@
           <a:p>
             <a:fld id="{D85F26A3-E585-CB49-A954-A9F1CF73DA01}" type="datetimeFigureOut">
               <a:rPr kumimoji="1" lang="ja-GB" altLang="en-US" smtClean="0"/>
-              <a:t>28/06/2023</a:t>
+              <a:t>29/02/2024</a:t>
             </a:fld>
             <a:endParaRPr kumimoji="1" lang="ja-GB" altLang="en-US"/>
           </a:p>
@@ -3328,7 +3328,7 @@
           <a:p>
             <a:fld id="{D85F26A3-E585-CB49-A954-A9F1CF73DA01}" type="datetimeFigureOut">
               <a:rPr kumimoji="1" lang="ja-GB" altLang="en-US" smtClean="0"/>
-              <a:t>28/06/2023</a:t>
+              <a:t>29/02/2024</a:t>
             </a:fld>
             <a:endParaRPr kumimoji="1" lang="ja-GB" altLang="en-US"/>
           </a:p>
@@ -3603,7 +3603,7 @@
           <a:p>
             <a:fld id="{D85F26A3-E585-CB49-A954-A9F1CF73DA01}" type="datetimeFigureOut">
               <a:rPr kumimoji="1" lang="ja-GB" altLang="en-US" smtClean="0"/>
-              <a:t>28/06/2023</a:t>
+              <a:t>29/02/2024</a:t>
             </a:fld>
             <a:endParaRPr kumimoji="1" lang="ja-GB" altLang="en-US"/>
           </a:p>
@@ -4022,10 +4022,10 @@
       </p:grpSpPr>
       <p:grpSp>
         <p:nvGrpSpPr>
-          <p:cNvPr id="69" name="グループ化 68">
+          <p:cNvPr id="3" name="グループ化 2">
             <a:extLst>
               <a:ext uri="{FF2B5EF4-FFF2-40B4-BE49-F238E27FC236}">
-                <a16:creationId xmlns:a16="http://schemas.microsoft.com/office/drawing/2014/main" id="{E8C6F256-BCD6-4ACF-9797-3148EF9C5971}"/>
+                <a16:creationId xmlns:a16="http://schemas.microsoft.com/office/drawing/2014/main" id="{CE5278B3-9466-8BAA-5587-32CD118D7CC5}"/>
               </a:ext>
             </a:extLst>
           </p:cNvPr>
@@ -4036,7 +4036,7 @@
           <a:xfrm>
             <a:off x="780099" y="927946"/>
             <a:ext cx="4550872" cy="5438712"/>
-            <a:chOff x="3212403" y="946234"/>
+            <a:chOff x="780099" y="927946"/>
             <a:chExt cx="4550872" cy="5438712"/>
           </a:xfrm>
         </p:grpSpPr>
@@ -4054,7 +4054,7 @@
           </p:nvGrpSpPr>
           <p:grpSpPr>
             <a:xfrm>
-              <a:off x="3669547" y="946234"/>
+              <a:off x="1237243" y="927946"/>
               <a:ext cx="1744243" cy="1639717"/>
               <a:chOff x="3832078" y="946234"/>
               <a:chExt cx="1744243" cy="1639717"/>
@@ -4335,7 +4335,7 @@
           </p:nvGrpSpPr>
           <p:grpSpPr>
             <a:xfrm>
-              <a:off x="5471447" y="946234"/>
+              <a:off x="3039143" y="927946"/>
               <a:ext cx="2291828" cy="1639717"/>
               <a:chOff x="6453581" y="946234"/>
               <a:chExt cx="2291828" cy="1639717"/>
@@ -4609,7 +4609,7 @@
           </p:nvGrpSpPr>
           <p:grpSpPr>
             <a:xfrm>
-              <a:off x="3791367" y="3140988"/>
+              <a:off x="1359063" y="3122700"/>
               <a:ext cx="1500603" cy="1117957"/>
               <a:chOff x="3817002" y="2771707"/>
               <a:chExt cx="1500603" cy="1117957"/>
@@ -4703,7 +4703,7 @@
           </p:nvCxnSpPr>
           <p:spPr>
             <a:xfrm>
-              <a:off x="5395293" y="1925397"/>
+              <a:off x="2962989" y="1907109"/>
               <a:ext cx="384618" cy="0"/>
             </a:xfrm>
             <a:prstGeom prst="straightConnector1">
@@ -4747,7 +4747,7 @@
           </p:nvCxnSpPr>
           <p:spPr>
             <a:xfrm rot="5400000">
-              <a:off x="4349359" y="2862860"/>
+              <a:off x="1917055" y="2735712"/>
               <a:ext cx="384618" cy="0"/>
             </a:xfrm>
             <a:prstGeom prst="straightConnector1">
@@ -4791,7 +4791,7 @@
           </p:nvCxnSpPr>
           <p:spPr>
             <a:xfrm rot="5400000">
-              <a:off x="4349359" y="4707855"/>
+              <a:off x="1917055" y="4689567"/>
               <a:ext cx="384618" cy="0"/>
             </a:xfrm>
             <a:prstGeom prst="straightConnector1">
@@ -4835,7 +4835,7 @@
           </p:nvCxnSpPr>
           <p:spPr>
             <a:xfrm>
-              <a:off x="5395293" y="3882239"/>
+              <a:off x="2962989" y="3863951"/>
               <a:ext cx="384618" cy="0"/>
             </a:xfrm>
             <a:prstGeom prst="straightConnector1">
@@ -4879,7 +4879,7 @@
           </p:nvCxnSpPr>
           <p:spPr>
             <a:xfrm rot="5400000">
-              <a:off x="6425052" y="2862860"/>
+              <a:off x="3992748" y="2735712"/>
               <a:ext cx="384618" cy="0"/>
             </a:xfrm>
             <a:prstGeom prst="straightConnector1">
@@ -4923,7 +4923,7 @@
           </p:nvCxnSpPr>
           <p:spPr>
             <a:xfrm>
-              <a:off x="5395293" y="5841079"/>
+              <a:off x="2962989" y="5822791"/>
               <a:ext cx="384618" cy="0"/>
             </a:xfrm>
             <a:prstGeom prst="straightConnector1">
@@ -4967,7 +4967,7 @@
           </p:nvCxnSpPr>
           <p:spPr>
             <a:xfrm rot="5400000">
-              <a:off x="6425052" y="4707855"/>
+              <a:off x="3992748" y="4689567"/>
               <a:ext cx="384618" cy="0"/>
             </a:xfrm>
             <a:prstGeom prst="straightConnector1">
@@ -5009,7 +5009,7 @@
           </p:nvGrpSpPr>
           <p:grpSpPr>
             <a:xfrm>
-              <a:off x="3669547" y="4973995"/>
+              <a:off x="1237243" y="4955707"/>
               <a:ext cx="1744243" cy="1410951"/>
               <a:chOff x="3832078" y="851834"/>
               <a:chExt cx="1744243" cy="1410951"/>
@@ -5234,10 +5234,10 @@
           </p:nvGrpSpPr>
           <p:grpSpPr>
             <a:xfrm>
-              <a:off x="5779911" y="3211902"/>
-              <a:ext cx="1744243" cy="1197795"/>
-              <a:chOff x="3832078" y="1064990"/>
-              <a:chExt cx="1744243" cy="1197795"/>
+              <a:off x="3347607" y="3057706"/>
+              <a:ext cx="1744243" cy="1415070"/>
+              <a:chOff x="3832078" y="847715"/>
+              <a:chExt cx="1744243" cy="1415070"/>
             </a:xfrm>
           </p:grpSpPr>
           <p:sp>
@@ -5254,8 +5254,8 @@
             </p:nvSpPr>
             <p:spPr>
               <a:xfrm>
-                <a:off x="3832078" y="1064990"/>
-                <a:ext cx="1744243" cy="276999"/>
+                <a:off x="3832078" y="847715"/>
+                <a:ext cx="1744243" cy="461665"/>
               </a:xfrm>
               <a:prstGeom prst="rect">
                 <a:avLst/>
@@ -5273,7 +5273,7 @@
                   <a:rPr lang="en-GB" altLang="ja-GB" sz="1200" dirty="0">
                     <a:latin typeface="Helvetica" pitchFamily="2" charset="0"/>
                   </a:rPr>
-                  <a:t>INDEL reconstruction</a:t>
+                  <a:t>Ancestral INDEL reconstruction</a:t>
                 </a:r>
               </a:p>
             </p:txBody>
@@ -5476,7 +5476,7 @@
           </p:nvGrpSpPr>
           <p:grpSpPr>
             <a:xfrm>
-              <a:off x="5779910" y="5089743"/>
+              <a:off x="3347606" y="5071455"/>
               <a:ext cx="1744243" cy="1295203"/>
               <a:chOff x="3832078" y="967582"/>
               <a:chExt cx="1744243" cy="1295203"/>
@@ -5701,7 +5701,7 @@
           </p:nvSpPr>
           <p:spPr>
             <a:xfrm>
-              <a:off x="3212403" y="2632028"/>
+              <a:off x="780099" y="2504880"/>
               <a:ext cx="1140274" cy="461665"/>
             </a:xfrm>
             <a:prstGeom prst="rect">
@@ -5752,7 +5752,7 @@
           </p:nvSpPr>
           <p:spPr>
             <a:xfrm>
-              <a:off x="3212403" y="4477023"/>
+              <a:off x="780099" y="4458735"/>
               <a:ext cx="1140274" cy="461665"/>
             </a:xfrm>
             <a:prstGeom prst="rect">
@@ -5803,7 +5803,7 @@
           </p:nvSpPr>
           <p:spPr>
             <a:xfrm>
-              <a:off x="5428756" y="2632028"/>
+              <a:off x="2996452" y="2504880"/>
               <a:ext cx="1140274" cy="461665"/>
             </a:xfrm>
             <a:prstGeom prst="rect">
